--- a/04_Monte_Carlo/04_Monte_Carlo.pptx
+++ b/04_Monte_Carlo/04_Monte_Carlo.pptx
@@ -9,19 +9,20 @@
     <p:sldId id="257" r:id="rId3"/>
     <p:sldId id="292" r:id="rId4"/>
     <p:sldId id="258" r:id="rId5"/>
-    <p:sldId id="261" r:id="rId6"/>
-    <p:sldId id="262" r:id="rId7"/>
-    <p:sldId id="259" r:id="rId8"/>
-    <p:sldId id="266" r:id="rId9"/>
-    <p:sldId id="267" r:id="rId10"/>
+    <p:sldId id="293" r:id="rId6"/>
+    <p:sldId id="261" r:id="rId7"/>
+    <p:sldId id="262" r:id="rId8"/>
+    <p:sldId id="259" r:id="rId9"/>
+    <p:sldId id="266" r:id="rId10"/>
     <p:sldId id="268" r:id="rId11"/>
     <p:sldId id="263" r:id="rId12"/>
     <p:sldId id="260" r:id="rId13"/>
     <p:sldId id="269" r:id="rId14"/>
     <p:sldId id="270" r:id="rId15"/>
-    <p:sldId id="272" r:id="rId16"/>
-    <p:sldId id="271" r:id="rId17"/>
-    <p:sldId id="273" r:id="rId18"/>
+    <p:sldId id="294" r:id="rId16"/>
+    <p:sldId id="272" r:id="rId17"/>
+    <p:sldId id="271" r:id="rId18"/>
+    <p:sldId id="273" r:id="rId19"/>
   </p:sldIdLst>
   <p:sldSz cx="12192000" cy="6858000"/>
   <p:notesSz cx="6858000" cy="9144000"/>
@@ -1339,7 +1340,7 @@
           <a:p>
             <a:fld id="{F7F2FA2E-6D87-7241-8299-B50CD3EA2347}" type="datetimeFigureOut">
               <a:rPr lang="en-US" smtClean="0"/>
-              <a:t>8/31/18</a:t>
+              <a:t>9/25/18</a:t>
             </a:fld>
             <a:endParaRPr lang="en-US"/>
           </a:p>
@@ -1577,7 +1578,7 @@
           <a:p>
             <a:fld id="{F7F2FA2E-6D87-7241-8299-B50CD3EA2347}" type="datetimeFigureOut">
               <a:rPr lang="en-US" smtClean="0"/>
-              <a:t>8/31/18</a:t>
+              <a:t>9/25/18</a:t>
             </a:fld>
             <a:endParaRPr lang="en-US"/>
           </a:p>
@@ -1757,7 +1758,7 @@
           <a:p>
             <a:fld id="{F7F2FA2E-6D87-7241-8299-B50CD3EA2347}" type="datetimeFigureOut">
               <a:rPr lang="en-US" smtClean="0"/>
-              <a:t>8/31/18</a:t>
+              <a:t>9/25/18</a:t>
             </a:fld>
             <a:endParaRPr lang="en-US"/>
           </a:p>
@@ -1927,7 +1928,7 @@
           <a:p>
             <a:fld id="{F7F2FA2E-6D87-7241-8299-B50CD3EA2347}" type="datetimeFigureOut">
               <a:rPr lang="en-US" smtClean="0"/>
-              <a:t>8/31/18</a:t>
+              <a:t>9/25/18</a:t>
             </a:fld>
             <a:endParaRPr lang="en-US"/>
           </a:p>
@@ -2203,7 +2204,7 @@
           <a:p>
             <a:fld id="{F7F2FA2E-6D87-7241-8299-B50CD3EA2347}" type="datetimeFigureOut">
               <a:rPr lang="en-US" smtClean="0"/>
-              <a:t>8/31/18</a:t>
+              <a:t>9/25/18</a:t>
             </a:fld>
             <a:endParaRPr lang="en-US"/>
           </a:p>
@@ -3404,7 +3405,7 @@
           <a:p>
             <a:fld id="{F7F2FA2E-6D87-7241-8299-B50CD3EA2347}" type="datetimeFigureOut">
               <a:rPr lang="en-US" smtClean="0"/>
-              <a:t>8/31/18</a:t>
+              <a:t>9/25/18</a:t>
             </a:fld>
             <a:endParaRPr lang="en-US"/>
           </a:p>
@@ -3794,7 +3795,7 @@
           <a:p>
             <a:fld id="{F7F2FA2E-6D87-7241-8299-B50CD3EA2347}" type="datetimeFigureOut">
               <a:rPr lang="en-US" smtClean="0"/>
-              <a:t>8/31/18</a:t>
+              <a:t>9/25/18</a:t>
             </a:fld>
             <a:endParaRPr lang="en-US"/>
           </a:p>
@@ -3917,7 +3918,7 @@
           <a:p>
             <a:fld id="{F7F2FA2E-6D87-7241-8299-B50CD3EA2347}" type="datetimeFigureOut">
               <a:rPr lang="en-US" smtClean="0"/>
-              <a:t>8/31/18</a:t>
+              <a:t>9/25/18</a:t>
             </a:fld>
             <a:endParaRPr lang="en-US"/>
           </a:p>
@@ -4012,7 +4013,7 @@
           <a:p>
             <a:fld id="{F7F2FA2E-6D87-7241-8299-B50CD3EA2347}" type="datetimeFigureOut">
               <a:rPr lang="en-US" smtClean="0"/>
-              <a:t>8/31/18</a:t>
+              <a:t>9/25/18</a:t>
             </a:fld>
             <a:endParaRPr lang="en-US"/>
           </a:p>
@@ -4775,7 +4776,7 @@
           <a:p>
             <a:fld id="{F7F2FA2E-6D87-7241-8299-B50CD3EA2347}" type="datetimeFigureOut">
               <a:rPr lang="en-US" smtClean="0"/>
-              <a:t>8/31/18</a:t>
+              <a:t>9/25/18</a:t>
             </a:fld>
             <a:endParaRPr lang="en-US"/>
           </a:p>
@@ -5615,7 +5616,7 @@
           <a:p>
             <a:fld id="{F7F2FA2E-6D87-7241-8299-B50CD3EA2347}" type="datetimeFigureOut">
               <a:rPr lang="en-US" smtClean="0"/>
-              <a:t>8/31/18</a:t>
+              <a:t>9/25/18</a:t>
             </a:fld>
             <a:endParaRPr lang="en-US"/>
           </a:p>
@@ -5842,7 +5843,7 @@
           <a:p>
             <a:fld id="{F7F2FA2E-6D87-7241-8299-B50CD3EA2347}" type="datetimeFigureOut">
               <a:rPr lang="en-US" smtClean="0"/>
-              <a:t>8/31/18</a:t>
+              <a:t>9/25/18</a:t>
             </a:fld>
             <a:endParaRPr lang="en-US"/>
           </a:p>
@@ -6975,17 +6976,16 @@
         </p:nvSpPr>
         <p:spPr>
           <a:xfrm>
-            <a:off x="1149927" y="1759527"/>
-            <a:ext cx="10280073" cy="4502728"/>
+            <a:off x="984739" y="1759527"/>
+            <a:ext cx="10677378" cy="4502728"/>
           </a:xfrm>
         </p:spPr>
         <p:txBody>
           <a:bodyPr/>
           <a:lstStyle/>
           <a:p>
-            <a:pPr lvl="1" indent="-457200">
-              <a:buFont typeface="+mj-lt"/>
-              <a:buAutoNum type="arabicPeriod" startAt="4"/>
+            <a:pPr marL="228600" lvl="1" indent="0">
+              <a:buNone/>
             </a:pPr>
             <a:r>
               <a:rPr lang="en-US" sz="2400" dirty="0"/>
@@ -7053,6 +7053,36 @@
                 <a:cs typeface="Courier New" panose="02070309020205020404" pitchFamily="49" charset="0"/>
               </a:rPr>
               <a:t># Note the floating point division</a:t>
+            </a:r>
+          </a:p>
+          <a:p>
+            <a:pPr marL="0" indent="0">
+              <a:buNone/>
+            </a:pPr>
+            <a:r>
+              <a:rPr lang="en-US" dirty="0">
+                <a:solidFill>
+                  <a:srgbClr val="FF0000"/>
+                </a:solidFill>
+                <a:latin typeface="Courier New" panose="02070309020205020404" pitchFamily="49" charset="0"/>
+                <a:cs typeface="Courier New" panose="02070309020205020404" pitchFamily="49" charset="0"/>
+              </a:rPr>
+              <a:t># flips, heads, and tails are integers in my program</a:t>
+            </a:r>
+          </a:p>
+          <a:p>
+            <a:pPr marL="0" indent="0">
+              <a:buNone/>
+            </a:pPr>
+            <a:r>
+              <a:rPr lang="en-US" dirty="0">
+                <a:solidFill>
+                  <a:srgbClr val="FF0000"/>
+                </a:solidFill>
+                <a:latin typeface="Courier New" panose="02070309020205020404" pitchFamily="49" charset="0"/>
+                <a:cs typeface="Courier New" panose="02070309020205020404" pitchFamily="49" charset="0"/>
+              </a:rPr>
+              <a:t># dividing integer by integer gives integer</a:t>
             </a:r>
           </a:p>
         </p:txBody>
@@ -7287,7 +7317,15 @@
             </a:pPr>
             <a:r>
               <a:rPr lang="en-US" sz="2200" dirty="0"/>
-              <a:t>import random</a:t>
+              <a:t>import </a:t>
+            </a:r>
+            <a:r>
+              <a:rPr lang="en-US" sz="2200" dirty="0" err="1"/>
+              <a:t>numpy</a:t>
+            </a:r>
+            <a:r>
+              <a:rPr lang="en-US" sz="2200" dirty="0"/>
+              <a:t> as np</a:t>
             </a:r>
           </a:p>
           <a:p>
@@ -7296,7 +7334,7 @@
             </a:pPr>
             <a:r>
               <a:rPr lang="en-US" sz="2200" dirty="0" err="1"/>
-              <a:t>random.seed</a:t>
+              <a:t>np.random.seed</a:t>
             </a:r>
             <a:r>
               <a:rPr lang="en-US" sz="2200" dirty="0"/>
@@ -7900,6 +7938,278 @@
         </p:nvSpPr>
         <p:spPr>
           <a:xfrm>
+            <a:off x="858982" y="1191491"/>
+            <a:ext cx="7640493" cy="5452197"/>
+          </a:xfrm>
+        </p:spPr>
+        <p:txBody>
+          <a:bodyPr>
+            <a:noAutofit/>
+          </a:bodyPr>
+          <a:lstStyle/>
+          <a:p>
+            <a:r>
+              <a:rPr lang="en-US" sz="2400" dirty="0"/>
+              <a:t>What do our requirements tell us about our program?</a:t>
+            </a:r>
+          </a:p>
+          <a:p>
+            <a:pPr lvl="1"/>
+            <a:r>
+              <a:rPr lang="en-US" sz="2200" dirty="0"/>
+              <a:t>Simulation of 100 time steps, </a:t>
+            </a:r>
+            <a:r>
+              <a:rPr lang="en-US" sz="2200" dirty="0">
+                <a:solidFill>
+                  <a:srgbClr val="FF0000"/>
+                </a:solidFill>
+              </a:rPr>
+              <a:t>we need a loop, for or while?</a:t>
+            </a:r>
+          </a:p>
+          <a:p>
+            <a:pPr lvl="1"/>
+            <a:endParaRPr lang="en-US" sz="2200" dirty="0">
+              <a:solidFill>
+                <a:srgbClr val="FF0000"/>
+              </a:solidFill>
+            </a:endParaRPr>
+          </a:p>
+          <a:p>
+            <a:pPr lvl="1"/>
+            <a:r>
+              <a:rPr lang="en-US" sz="2000" dirty="0"/>
+              <a:t>At each time step a student arrives at the NDMU bike rack</a:t>
+            </a:r>
+          </a:p>
+          <a:p>
+            <a:pPr lvl="1"/>
+            <a:r>
+              <a:rPr lang="en-US" sz="2000" dirty="0"/>
+              <a:t>At each time step a student arrives at the Loyola bike rack</a:t>
+            </a:r>
+          </a:p>
+          <a:p>
+            <a:pPr lvl="1"/>
+            <a:r>
+              <a:rPr lang="en-US" sz="2000" dirty="0"/>
+              <a:t>The NDMU student is 70% likely to take a bike to Loyola</a:t>
+            </a:r>
+          </a:p>
+          <a:p>
+            <a:pPr lvl="1"/>
+            <a:r>
+              <a:rPr lang="en-US" sz="2000" dirty="0"/>
+              <a:t>The Loyola student is 50% likely to take a bike</a:t>
+            </a:r>
+          </a:p>
+          <a:p>
+            <a:pPr lvl="2"/>
+            <a:r>
+              <a:rPr lang="en-US" sz="1800" dirty="0">
+                <a:solidFill>
+                  <a:srgbClr val="FF0000"/>
+                </a:solidFill>
+              </a:rPr>
+              <a:t>We need 2 random numbers each time through the loop</a:t>
+            </a:r>
+          </a:p>
+          <a:p>
+            <a:pPr lvl="2"/>
+            <a:endParaRPr lang="en-US" sz="1800" dirty="0">
+              <a:solidFill>
+                <a:srgbClr val="FF0000"/>
+              </a:solidFill>
+            </a:endParaRPr>
+          </a:p>
+          <a:p>
+            <a:pPr lvl="1"/>
+            <a:r>
+              <a:rPr lang="en-US" sz="2000" dirty="0"/>
+              <a:t>If the student takes a bike subtract one from the total and add one to the total of the other school</a:t>
+            </a:r>
+          </a:p>
+          <a:p>
+            <a:pPr lvl="2"/>
+            <a:r>
+              <a:rPr lang="en-US" sz="1800" dirty="0">
+                <a:solidFill>
+                  <a:srgbClr val="FF0000"/>
+                </a:solidFill>
+              </a:rPr>
+              <a:t>We need 2 variables to keep track of bikes left </a:t>
+            </a:r>
+          </a:p>
+          <a:p>
+            <a:pPr lvl="2"/>
+            <a:r>
+              <a:rPr lang="en-US" sz="1800" dirty="0">
+                <a:solidFill>
+                  <a:srgbClr val="FF0000"/>
+                </a:solidFill>
+              </a:rPr>
+              <a:t>We need a means of exiting the loop if no bikes left</a:t>
+            </a:r>
+          </a:p>
+          <a:p>
+            <a:pPr lvl="1"/>
+            <a:endParaRPr lang="en-US" sz="2000" b="1" dirty="0">
+              <a:solidFill>
+                <a:srgbClr val="FF0000"/>
+              </a:solidFill>
+            </a:endParaRPr>
+          </a:p>
+          <a:p>
+            <a:pPr marL="571500" lvl="1" indent="-342900">
+              <a:buFont typeface="+mj-lt"/>
+              <a:buAutoNum type="arabicPeriod"/>
+            </a:pPr>
+            <a:endParaRPr lang="en-US" sz="2400" dirty="0"/>
+          </a:p>
+        </p:txBody>
+      </p:sp>
+      <p:pic>
+        <p:nvPicPr>
+          <p:cNvPr id="4" name="Picture 3">
+            <a:extLst>
+              <a:ext uri="{FF2B5EF4-FFF2-40B4-BE49-F238E27FC236}">
+                <a16:creationId xmlns:a16="http://schemas.microsoft.com/office/drawing/2014/main" id="{49ABA638-E664-184A-AE65-E14B4629170E}"/>
+              </a:ext>
+            </a:extLst>
+          </p:cNvPr>
+          <p:cNvPicPr>
+            <a:picLocks noChangeAspect="1"/>
+          </p:cNvPicPr>
+          <p:nvPr/>
+        </p:nvPicPr>
+        <p:blipFill>
+          <a:blip r:embed="rId2"/>
+          <a:stretch>
+            <a:fillRect/>
+          </a:stretch>
+        </p:blipFill>
+        <p:spPr>
+          <a:xfrm>
+            <a:off x="8618539" y="4457700"/>
+            <a:ext cx="3244850" cy="2085975"/>
+          </a:xfrm>
+          <a:prstGeom prst="rect">
+            <a:avLst/>
+          </a:prstGeom>
+        </p:spPr>
+      </p:pic>
+      <p:pic>
+        <p:nvPicPr>
+          <p:cNvPr id="5" name="Picture 4">
+            <a:extLst>
+              <a:ext uri="{FF2B5EF4-FFF2-40B4-BE49-F238E27FC236}">
+                <a16:creationId xmlns:a16="http://schemas.microsoft.com/office/drawing/2014/main" id="{4CC1C8E5-E5B3-4E40-8953-43541349D4DF}"/>
+              </a:ext>
+            </a:extLst>
+          </p:cNvPr>
+          <p:cNvPicPr>
+            <a:picLocks noChangeAspect="1"/>
+          </p:cNvPicPr>
+          <p:nvPr/>
+        </p:nvPicPr>
+        <p:blipFill>
+          <a:blip r:embed="rId2"/>
+          <a:stretch>
+            <a:fillRect/>
+          </a:stretch>
+        </p:blipFill>
+        <p:spPr>
+          <a:xfrm>
+            <a:off x="8499476" y="1976818"/>
+            <a:ext cx="3244850" cy="2085975"/>
+          </a:xfrm>
+          <a:prstGeom prst="rect">
+            <a:avLst/>
+          </a:prstGeom>
+        </p:spPr>
+      </p:pic>
+    </p:spTree>
+    <p:extLst>
+      <p:ext uri="{BB962C8B-B14F-4D97-AF65-F5344CB8AC3E}">
+        <p14:creationId xmlns:p14="http://schemas.microsoft.com/office/powerpoint/2010/main" val="656067125"/>
+      </p:ext>
+    </p:extLst>
+  </p:cSld>
+  <p:clrMapOvr>
+    <a:masterClrMapping/>
+  </p:clrMapOvr>
+</p:sld>
+</file>
+
+<file path=ppt/slides/slide16.xml><?xml version="1.0" encoding="utf-8"?>
+<p:sld xmlns:a="http://schemas.openxmlformats.org/drawingml/2006/main" xmlns:r="http://schemas.openxmlformats.org/officeDocument/2006/relationships" xmlns:p="http://schemas.openxmlformats.org/presentationml/2006/main">
+  <p:cSld>
+    <p:spTree>
+      <p:nvGrpSpPr>
+        <p:cNvPr id="1" name=""/>
+        <p:cNvGrpSpPr/>
+        <p:nvPr/>
+      </p:nvGrpSpPr>
+      <p:grpSpPr>
+        <a:xfrm>
+          <a:off x="0" y="0"/>
+          <a:ext cx="0" cy="0"/>
+          <a:chOff x="0" y="0"/>
+          <a:chExt cx="0" cy="0"/>
+        </a:xfrm>
+      </p:grpSpPr>
+      <p:sp>
+        <p:nvSpPr>
+          <p:cNvPr id="2" name="Title 1">
+            <a:extLst>
+              <a:ext uri="{FF2B5EF4-FFF2-40B4-BE49-F238E27FC236}">
+                <a16:creationId xmlns:a16="http://schemas.microsoft.com/office/drawing/2014/main" id="{69E95632-2C06-564C-8843-19D53DA3871D}"/>
+              </a:ext>
+            </a:extLst>
+          </p:cNvPr>
+          <p:cNvSpPr>
+            <a:spLocks noGrp="1"/>
+          </p:cNvSpPr>
+          <p:nvPr>
+            <p:ph type="title"/>
+          </p:nvPr>
+        </p:nvSpPr>
+        <p:spPr>
+          <a:xfrm>
+            <a:off x="2231136" y="393192"/>
+            <a:ext cx="7729728" cy="1188720"/>
+          </a:xfrm>
+        </p:spPr>
+        <p:txBody>
+          <a:bodyPr/>
+          <a:lstStyle/>
+          <a:p>
+            <a:r>
+              <a:rPr lang="en-US" dirty="0"/>
+              <a:t>Bike sharing</a:t>
+            </a:r>
+          </a:p>
+        </p:txBody>
+      </p:sp>
+      <p:sp>
+        <p:nvSpPr>
+          <p:cNvPr id="3" name="Content Placeholder 2">
+            <a:extLst>
+              <a:ext uri="{FF2B5EF4-FFF2-40B4-BE49-F238E27FC236}">
+                <a16:creationId xmlns:a16="http://schemas.microsoft.com/office/drawing/2014/main" id="{E72FBD1F-DE94-FE4B-8200-8C596E077113}"/>
+              </a:ext>
+            </a:extLst>
+          </p:cNvPr>
+          <p:cNvSpPr>
+            <a:spLocks noGrp="1"/>
+          </p:cNvSpPr>
+          <p:nvPr>
+            <p:ph idx="1"/>
+          </p:nvPr>
+        </p:nvSpPr>
+        <p:spPr>
+          <a:xfrm>
             <a:off x="900545" y="1581912"/>
             <a:ext cx="7495310" cy="5061776"/>
           </a:xfrm>
@@ -8024,7 +8334,7 @@
 </p:sld>
 </file>
 
-<file path=ppt/slides/slide16.xml><?xml version="1.0" encoding="utf-8"?>
+<file path=ppt/slides/slide17.xml><?xml version="1.0" encoding="utf-8"?>
 <p:sld xmlns:a="http://schemas.openxmlformats.org/drawingml/2006/main" xmlns:r="http://schemas.openxmlformats.org/officeDocument/2006/relationships" xmlns:p="http://schemas.openxmlformats.org/presentationml/2006/main">
   <p:cSld>
     <p:spTree>
@@ -8221,7 +8531,7 @@
 </p:sld>
 </file>
 
-<file path=ppt/slides/slide17.xml><?xml version="1.0" encoding="utf-8"?>
+<file path=ppt/slides/slide18.xml><?xml version="1.0" encoding="utf-8"?>
 <p:sld xmlns:a="http://schemas.openxmlformats.org/drawingml/2006/main" xmlns:r="http://schemas.openxmlformats.org/officeDocument/2006/relationships" xmlns:p="http://schemas.openxmlformats.org/presentationml/2006/main">
   <p:cSld>
     <p:spTree>
@@ -8871,44 +9181,57 @@
           <a:p>
             <a:r>
               <a:rPr lang="en-US" sz="2400" dirty="0"/>
-              <a:t>To work with ”chance” and probability we often use Python’s</a:t>
-            </a:r>
-          </a:p>
-          <a:p>
-            <a:pPr marL="457200" lvl="1" indent="0">
+              <a:t>To work with ”chance” and probability we’ll use </a:t>
+            </a:r>
+            <a:r>
+              <a:rPr lang="en-US" sz="2400" dirty="0" err="1"/>
+              <a:t>Numpy’s</a:t>
+            </a:r>
+            <a:r>
+              <a:rPr lang="en-US" sz="2400" dirty="0"/>
+              <a:t> Random function</a:t>
+            </a:r>
+          </a:p>
+          <a:p>
+            <a:pPr marL="0" indent="0">
               <a:buNone/>
             </a:pPr>
             <a:r>
-              <a:rPr lang="en-US" sz="2400" dirty="0" err="1"/>
-              <a:t>randrange</a:t>
-            </a:r>
-            <a:r>
-              <a:rPr lang="en-US" sz="2400" dirty="0"/>
-              <a:t>( lower limit, upper limit +1 )   </a:t>
-            </a:r>
-          </a:p>
-          <a:p>
-            <a:pPr marL="457200" lvl="1" indent="0">
+              <a:rPr lang="en-US" sz="2400" dirty="0" err="1">
+                <a:latin typeface="Courier New" panose="02070309020205020404" pitchFamily="49" charset="0"/>
+                <a:cs typeface="Courier New" panose="02070309020205020404" pitchFamily="49" charset="0"/>
+              </a:rPr>
+              <a:t>numpy.random.random</a:t>
+            </a:r>
+            <a:r>
+              <a:rPr lang="en-US" sz="2400" dirty="0">
+                <a:latin typeface="Courier New" panose="02070309020205020404" pitchFamily="49" charset="0"/>
+                <a:cs typeface="Courier New" panose="02070309020205020404" pitchFamily="49" charset="0"/>
+              </a:rPr>
+              <a:t>()</a:t>
+            </a:r>
+          </a:p>
+          <a:p>
+            <a:pPr marL="0" indent="0">
               <a:buNone/>
             </a:pPr>
-            <a:r>
-              <a:rPr lang="en-US" sz="2400" dirty="0"/>
-              <a:t>		[generate a integer in the supplied range]</a:t>
-            </a:r>
-          </a:p>
-          <a:p>
-            <a:pPr marL="457200" lvl="1" indent="0">
-              <a:buNone/>
-            </a:pPr>
-            <a:r>
-              <a:rPr lang="en-US" sz="2400" dirty="0"/>
-              <a:t>random()   [generate a random decimal value between 0 and 1]</a:t>
-            </a:r>
-          </a:p>
-          <a:p>
-            <a:pPr marL="457200" lvl="1" indent="0">
-              <a:buNone/>
-            </a:pPr>
+            <a:endParaRPr lang="en-US" sz="2400" dirty="0">
+              <a:latin typeface="Courier New" panose="02070309020205020404" pitchFamily="49" charset="0"/>
+              <a:cs typeface="Courier New" panose="02070309020205020404" pitchFamily="49" charset="0"/>
+            </a:endParaRPr>
+          </a:p>
+          <a:p>
+            <a:pPr fontAlgn="base"/>
+            <a:r>
+              <a:rPr lang="en-US" dirty="0">
+                <a:cs typeface="Courier New" panose="02070309020205020404" pitchFamily="49" charset="0"/>
+              </a:rPr>
+              <a:t>Chooses a random number on the half-open interval [0,1.0). Values are chosen </a:t>
+            </a:r>
+            <a:r>
+              <a:rPr lang="en-US" dirty="0"/>
+              <a:t>uniformly</a:t>
+            </a:r>
             <a:endParaRPr lang="en-US" sz="2400" dirty="0"/>
           </a:p>
           <a:p>
@@ -8951,43 +9274,10 @@
       </p:grpSpPr>
       <p:sp>
         <p:nvSpPr>
-          <p:cNvPr id="2" name="Title 1">
-            <a:extLst>
-              <a:ext uri="{FF2B5EF4-FFF2-40B4-BE49-F238E27FC236}">
-                <a16:creationId xmlns:a16="http://schemas.microsoft.com/office/drawing/2014/main" id="{6D0FAD8B-490F-0840-A5E3-C4BCE69A81F8}"/>
-              </a:ext>
-            </a:extLst>
-          </p:cNvPr>
-          <p:cNvSpPr>
-            <a:spLocks noGrp="1"/>
-          </p:cNvSpPr>
-          <p:nvPr>
-            <p:ph type="title"/>
-          </p:nvPr>
-        </p:nvSpPr>
-        <p:spPr>
-          <a:xfrm>
-            <a:off x="2236331" y="444283"/>
-            <a:ext cx="7729728" cy="1273682"/>
-          </a:xfrm>
-        </p:spPr>
-        <p:txBody>
-          <a:bodyPr/>
-          <a:lstStyle/>
-          <a:p>
-            <a:r>
-              <a:rPr lang="en-US" dirty="0"/>
-              <a:t>Pseudo-random numbers</a:t>
-            </a:r>
-          </a:p>
-        </p:txBody>
-      </p:sp>
-      <p:sp>
-        <p:nvSpPr>
           <p:cNvPr id="3" name="Content Placeholder 2">
             <a:extLst>
               <a:ext uri="{FF2B5EF4-FFF2-40B4-BE49-F238E27FC236}">
-                <a16:creationId xmlns:a16="http://schemas.microsoft.com/office/drawing/2014/main" id="{02A3765C-026D-4A44-9BF9-D40A91259E21}"/>
+                <a16:creationId xmlns:a16="http://schemas.microsoft.com/office/drawing/2014/main" id="{F52A1A67-61E0-FD49-8EB0-DC7BF5BD7668}"/>
               </a:ext>
             </a:extLst>
           </p:cNvPr>
@@ -9000,8 +9290,8 @@
         </p:nvSpPr>
         <p:spPr>
           <a:xfrm>
-            <a:off x="997527" y="1439037"/>
-            <a:ext cx="10654146" cy="5157790"/>
+            <a:off x="1066800" y="450166"/>
+            <a:ext cx="10668000" cy="6217920"/>
           </a:xfrm>
         </p:spPr>
         <p:txBody>
@@ -9011,52 +9301,178 @@
           <a:lstStyle/>
           <a:p>
             <a:r>
-              <a:rPr lang="en-US" sz="2400" dirty="0"/>
-              <a:t>True random numbers are, well, random…</a:t>
-            </a:r>
-          </a:p>
-          <a:p>
-            <a:endParaRPr lang="en-US" sz="2400" dirty="0"/>
-          </a:p>
-          <a:p>
-            <a:r>
-              <a:rPr lang="en-US" sz="2400" dirty="0"/>
-              <a:t>Computers only work when we tell them exactly what we want them to do</a:t>
-            </a:r>
-          </a:p>
-          <a:p>
-            <a:endParaRPr lang="en-US" sz="2400" dirty="0"/>
-          </a:p>
-          <a:p>
-            <a:r>
-              <a:rPr lang="en-US" sz="2400" dirty="0"/>
-              <a:t>So, we have a conflict here</a:t>
-            </a:r>
-          </a:p>
-          <a:p>
-            <a:endParaRPr lang="en-US" sz="2400" dirty="0"/>
-          </a:p>
-          <a:p>
-            <a:r>
-              <a:rPr lang="en-US" sz="2400" dirty="0"/>
-              <a:t>How can we create truly random numbers when we have to tell the computer exactly how to generate random numbers?</a:t>
-            </a:r>
-          </a:p>
-          <a:p>
-            <a:endParaRPr lang="en-US" sz="2400" dirty="0"/>
-          </a:p>
-          <a:p>
-            <a:r>
-              <a:rPr lang="en-US" sz="2400" dirty="0"/>
-              <a:t>Answer = we can’t.  Computers generate pseudo-random numbers. They appear to be random, but there is an underlying pattern and algorithm</a:t>
-            </a:r>
+              <a:rPr lang="en-US" sz="2200" dirty="0"/>
+              <a:t>There is also </a:t>
+            </a:r>
+            <a:r>
+              <a:rPr lang="en-US" sz="2200" dirty="0" err="1">
+                <a:latin typeface="Courier New" panose="02070309020205020404" pitchFamily="49" charset="0"/>
+                <a:cs typeface="Courier New" panose="02070309020205020404" pitchFamily="49" charset="0"/>
+              </a:rPr>
+              <a:t>numpy.random.uniform</a:t>
+            </a:r>
+            <a:r>
+              <a:rPr lang="en-US" sz="2200" dirty="0">
+                <a:latin typeface="Courier New" panose="02070309020205020404" pitchFamily="49" charset="0"/>
+                <a:cs typeface="Courier New" panose="02070309020205020404" pitchFamily="49" charset="0"/>
+              </a:rPr>
+              <a:t>(low, high)</a:t>
+            </a:r>
+          </a:p>
+          <a:p>
+            <a:pPr fontAlgn="base"/>
+            <a:r>
+              <a:rPr lang="en-US" sz="2200" dirty="0">
+                <a:cs typeface="Courier New" panose="02070309020205020404" pitchFamily="49" charset="0"/>
+              </a:rPr>
+              <a:t>Chooses a uniform random number (float) on the half-open interval [</a:t>
+            </a:r>
+            <a:r>
+              <a:rPr lang="en-US" sz="2200" dirty="0" err="1">
+                <a:cs typeface="Courier New" panose="02070309020205020404" pitchFamily="49" charset="0"/>
+              </a:rPr>
+              <a:t>low,high</a:t>
+            </a:r>
+            <a:r>
+              <a:rPr lang="en-US" sz="2200" dirty="0">
+                <a:cs typeface="Courier New" panose="02070309020205020404" pitchFamily="49" charset="0"/>
+              </a:rPr>
+              <a:t>). </a:t>
+            </a:r>
+            <a:endParaRPr lang="en-US" sz="2200" dirty="0"/>
+          </a:p>
+          <a:p>
+            <a:endParaRPr lang="en-US" sz="2200" dirty="0"/>
+          </a:p>
+          <a:p>
+            <a:r>
+              <a:rPr lang="en-US" sz="2200" dirty="0"/>
+              <a:t>There is also </a:t>
+            </a:r>
+            <a:r>
+              <a:rPr lang="en-US" sz="2200" dirty="0" err="1">
+                <a:latin typeface="Courier New" panose="02070309020205020404" pitchFamily="49" charset="0"/>
+                <a:cs typeface="Courier New" panose="02070309020205020404" pitchFamily="49" charset="0"/>
+              </a:rPr>
+              <a:t>numpy.random.randint</a:t>
+            </a:r>
+            <a:r>
+              <a:rPr lang="en-US" sz="2200" dirty="0">
+                <a:latin typeface="Courier New" panose="02070309020205020404" pitchFamily="49" charset="0"/>
+                <a:cs typeface="Courier New" panose="02070309020205020404" pitchFamily="49" charset="0"/>
+              </a:rPr>
+              <a:t>(low, high)</a:t>
+            </a:r>
+          </a:p>
+          <a:p>
+            <a:pPr fontAlgn="base"/>
+            <a:r>
+              <a:rPr lang="en-US" sz="2200" dirty="0">
+                <a:cs typeface="Courier New" panose="02070309020205020404" pitchFamily="49" charset="0"/>
+              </a:rPr>
+              <a:t>Chooses a uniform integer on the half-open interval [</a:t>
+            </a:r>
+            <a:r>
+              <a:rPr lang="en-US" sz="2200" dirty="0" err="1">
+                <a:cs typeface="Courier New" panose="02070309020205020404" pitchFamily="49" charset="0"/>
+              </a:rPr>
+              <a:t>low,high</a:t>
+            </a:r>
+            <a:r>
+              <a:rPr lang="en-US" sz="2200" dirty="0">
+                <a:cs typeface="Courier New" panose="02070309020205020404" pitchFamily="49" charset="0"/>
+              </a:rPr>
+              <a:t>). </a:t>
+            </a:r>
+            <a:endParaRPr lang="en-US" sz="2200" dirty="0"/>
+          </a:p>
+          <a:p>
+            <a:endParaRPr lang="en-US" sz="2200" dirty="0"/>
+          </a:p>
+          <a:p>
+            <a:r>
+              <a:rPr lang="en-US" sz="2200" dirty="0"/>
+              <a:t>Python has built in functions that do the same</a:t>
+            </a:r>
+          </a:p>
+          <a:p>
+            <a:pPr marL="457200" lvl="1" indent="0">
+              <a:buNone/>
+            </a:pPr>
+            <a:r>
+              <a:rPr lang="en-US" sz="2200" dirty="0" err="1">
+                <a:latin typeface="Courier New" panose="02070309020205020404" pitchFamily="49" charset="0"/>
+                <a:cs typeface="Courier New" panose="02070309020205020404" pitchFamily="49" charset="0"/>
+              </a:rPr>
+              <a:t>randrange</a:t>
+            </a:r>
+            <a:r>
+              <a:rPr lang="en-US" sz="2200" dirty="0">
+                <a:latin typeface="Courier New" panose="02070309020205020404" pitchFamily="49" charset="0"/>
+                <a:cs typeface="Courier New" panose="02070309020205020404" pitchFamily="49" charset="0"/>
+              </a:rPr>
+              <a:t>( lower limit, upper limit +1 )   </a:t>
+            </a:r>
+          </a:p>
+          <a:p>
+            <a:pPr marL="457200" lvl="1" indent="0">
+              <a:buNone/>
+            </a:pPr>
+            <a:r>
+              <a:rPr lang="en-US" sz="2200" dirty="0"/>
+              <a:t>		[generate a integer in the supplied range]</a:t>
+            </a:r>
+          </a:p>
+          <a:p>
+            <a:pPr marL="457200" lvl="1" indent="0">
+              <a:buNone/>
+            </a:pPr>
+            <a:r>
+              <a:rPr lang="en-US" sz="2200" dirty="0">
+                <a:latin typeface="Courier New" panose="02070309020205020404" pitchFamily="49" charset="0"/>
+                <a:cs typeface="Courier New" panose="02070309020205020404" pitchFamily="49" charset="0"/>
+              </a:rPr>
+              <a:t>random()   </a:t>
+            </a:r>
+            <a:r>
+              <a:rPr lang="en-US" sz="2200" dirty="0"/>
+              <a:t>[generate a random decimal value between 0 and 1]</a:t>
+            </a:r>
+          </a:p>
+          <a:p>
+            <a:pPr marL="457200" lvl="1" indent="0">
+              <a:buNone/>
+            </a:pPr>
+            <a:endParaRPr lang="en-US" sz="2200" dirty="0"/>
+          </a:p>
+          <a:p>
+            <a:r>
+              <a:rPr lang="en-US" sz="2200" dirty="0" err="1"/>
+              <a:t>Numpy’s</a:t>
+            </a:r>
+            <a:r>
+              <a:rPr lang="en-US" sz="2200" dirty="0"/>
+              <a:t> functions a bit more powerful and we’ll already be importing the library so let’s use those</a:t>
+            </a:r>
+          </a:p>
+          <a:p>
+            <a:pPr marL="457200" lvl="1" indent="0">
+              <a:buNone/>
+            </a:pPr>
+            <a:endParaRPr lang="en-US" sz="2200" dirty="0"/>
+          </a:p>
+          <a:p>
+            <a:pPr marL="457200" lvl="1" indent="0">
+              <a:buNone/>
+            </a:pPr>
+            <a:endParaRPr lang="en-US" sz="2200" dirty="0"/>
           </a:p>
         </p:txBody>
       </p:sp>
     </p:spTree>
     <p:extLst>
       <p:ext uri="{BB962C8B-B14F-4D97-AF65-F5344CB8AC3E}">
-        <p14:creationId xmlns:p14="http://schemas.microsoft.com/office/powerpoint/2010/main" val="2279116319"/>
+        <p14:creationId xmlns:p14="http://schemas.microsoft.com/office/powerpoint/2010/main" val="2772096516"/>
       </p:ext>
     </p:extLst>
   </p:cSld>
@@ -9101,8 +9517,8 @@
         </p:nvSpPr>
         <p:spPr>
           <a:xfrm>
-            <a:off x="2222476" y="446446"/>
-            <a:ext cx="7729728" cy="1188720"/>
+            <a:off x="2236331" y="444283"/>
+            <a:ext cx="7729728" cy="1273682"/>
           </a:xfrm>
         </p:spPr>
         <p:txBody>
@@ -9134,19 +9550,19 @@
         </p:nvSpPr>
         <p:spPr>
           <a:xfrm>
-            <a:off x="1066800" y="2043113"/>
-            <a:ext cx="10515600" cy="4600575"/>
+            <a:off x="997527" y="1439037"/>
+            <a:ext cx="10654146" cy="5157790"/>
           </a:xfrm>
         </p:spPr>
         <p:txBody>
           <a:bodyPr>
-            <a:normAutofit/>
+            <a:noAutofit/>
           </a:bodyPr>
           <a:lstStyle/>
           <a:p>
             <a:r>
               <a:rPr lang="en-US" sz="2400" dirty="0"/>
-              <a:t>The default random number generator in Python is ok for all of the examples we’ll be working on</a:t>
+              <a:t>True random numbers are, well, random…</a:t>
             </a:r>
           </a:p>
           <a:p>
@@ -9155,7 +9571,7 @@
           <a:p>
             <a:r>
               <a:rPr lang="en-US" sz="2400" dirty="0"/>
-              <a:t>But, if you continue with programming, it’ll be important to know the limitations of the random number generator and how it impacts your programs</a:t>
+              <a:t>Computers only work when we tell them exactly what we want them to do</a:t>
             </a:r>
           </a:p>
           <a:p>
@@ -9164,7 +9580,25 @@
           <a:p>
             <a:r>
               <a:rPr lang="en-US" sz="2400" dirty="0"/>
-              <a:t>For example, Python’s default random number generator should never be used for cryptography and secret codes – it’s too easy to break</a:t>
+              <a:t>So, we have a conflict here</a:t>
+            </a:r>
+          </a:p>
+          <a:p>
+            <a:endParaRPr lang="en-US" sz="2400" dirty="0"/>
+          </a:p>
+          <a:p>
+            <a:r>
+              <a:rPr lang="en-US" sz="2400" dirty="0"/>
+              <a:t>How can we create truly random numbers when we have to tell the computer exactly how to generate random numbers?</a:t>
+            </a:r>
+          </a:p>
+          <a:p>
+            <a:endParaRPr lang="en-US" sz="2400" dirty="0"/>
+          </a:p>
+          <a:p>
+            <a:r>
+              <a:rPr lang="en-US" sz="2400" dirty="0"/>
+              <a:t>Answer = we can’t.  Computers generate pseudo-random numbers. They appear to be random, but there is an underlying pattern and algorithm</a:t>
             </a:r>
           </a:p>
         </p:txBody>
@@ -9172,7 +9606,7 @@
     </p:spTree>
     <p:extLst>
       <p:ext uri="{BB962C8B-B14F-4D97-AF65-F5344CB8AC3E}">
-        <p14:creationId xmlns:p14="http://schemas.microsoft.com/office/powerpoint/2010/main" val="2344811979"/>
+        <p14:creationId xmlns:p14="http://schemas.microsoft.com/office/powerpoint/2010/main" val="2279116319"/>
       </p:ext>
     </p:extLst>
   </p:cSld>
@@ -9204,7 +9638,7 @@
           <p:cNvPr id="2" name="Title 1">
             <a:extLst>
               <a:ext uri="{FF2B5EF4-FFF2-40B4-BE49-F238E27FC236}">
-                <a16:creationId xmlns:a16="http://schemas.microsoft.com/office/drawing/2014/main" id="{FF50A605-A74F-AC41-B90E-438C80629EF4}"/>
+                <a16:creationId xmlns:a16="http://schemas.microsoft.com/office/drawing/2014/main" id="{6D0FAD8B-490F-0840-A5E3-C4BCE69A81F8}"/>
               </a:ext>
             </a:extLst>
           </p:cNvPr>
@@ -9217,7 +9651,7 @@
         </p:nvSpPr>
         <p:spPr>
           <a:xfrm>
-            <a:off x="2200612" y="419602"/>
+            <a:off x="2222476" y="446446"/>
             <a:ext cx="7729728" cy="1188720"/>
           </a:xfrm>
         </p:spPr>
@@ -9227,7 +9661,7 @@
           <a:p>
             <a:r>
               <a:rPr lang="en-US" dirty="0"/>
-              <a:t>The gambler’s Fallacy</a:t>
+              <a:t>Pseudo-random numbers</a:t>
             </a:r>
           </a:p>
         </p:txBody>
@@ -9237,7 +9671,7 @@
           <p:cNvPr id="3" name="Content Placeholder 2">
             <a:extLst>
               <a:ext uri="{FF2B5EF4-FFF2-40B4-BE49-F238E27FC236}">
-                <a16:creationId xmlns:a16="http://schemas.microsoft.com/office/drawing/2014/main" id="{35D11773-5A59-E546-8DD1-6BC2F8A813BB}"/>
+                <a16:creationId xmlns:a16="http://schemas.microsoft.com/office/drawing/2014/main" id="{02A3765C-026D-4A44-9BF9-D40A91259E21}"/>
               </a:ext>
             </a:extLst>
           </p:cNvPr>
@@ -9250,47 +9684,41 @@
         </p:nvSpPr>
         <p:spPr>
           <a:xfrm>
-            <a:off x="1025236" y="1608322"/>
-            <a:ext cx="10626437" cy="5041859"/>
+            <a:off x="1026942" y="1635167"/>
+            <a:ext cx="10555458" cy="5008522"/>
           </a:xfrm>
         </p:spPr>
         <p:txBody>
           <a:bodyPr>
-            <a:normAutofit fontScale="85000" lnSpcReduction="20000"/>
+            <a:normAutofit fontScale="92500" lnSpcReduction="20000"/>
           </a:bodyPr>
           <a:lstStyle/>
           <a:p>
-            <a:r>
-              <a:rPr lang="en-US" sz="2400" dirty="0">
-                <a:solidFill>
-                  <a:srgbClr val="FF0000"/>
-                </a:solidFill>
-              </a:rPr>
-              <a:t>06_Monte_Carlo.ipynb</a:t>
-            </a:r>
-          </a:p>
-          <a:p>
+            <a:pPr fontAlgn="base"/>
             <a:r>
               <a:rPr lang="en-US" sz="2400" dirty="0"/>
-              <a:t>Let’s look at an example to see how we can build probability into our simulations</a:t>
-            </a:r>
-          </a:p>
-          <a:p>
+              <a:t>Python – and many other programming languages – use a technique called the Mersenne Twister</a:t>
+            </a:r>
+          </a:p>
+          <a:p>
+            <a:pPr fontAlgn="base"/>
             <a:endParaRPr lang="en-US" sz="2400" dirty="0"/>
           </a:p>
           <a:p>
+            <a:pPr fontAlgn="base"/>
             <a:r>
               <a:rPr lang="en-US" sz="2400" dirty="0"/>
-              <a:t>The Gambler’s Fallacy asserts that taking something with known 50/50 odds (like flipping a coin) you’re unlikely to get long sets of the same outcome. If you just flipped heads five times a row, somehow you're more likely to flip tails next.</a:t>
-            </a:r>
-          </a:p>
-          <a:p>
+              <a:t>The name comes from taking Mersenne prime numbers (very large prime numbers) and “twisting them up” by performing operations on them</a:t>
+            </a:r>
+            <a:br>
+              <a:rPr lang="en-US" sz="2400" dirty="0"/>
+            </a:br>
             <a:endParaRPr lang="en-US" sz="2400" dirty="0"/>
           </a:p>
           <a:p>
             <a:r>
               <a:rPr lang="en-US" sz="2400" dirty="0"/>
-              <a:t>This is not true.  Over the long run you’ll get 50/50 odds, but may not over a few flips</a:t>
+              <a:t>This technique is fine for all of the examples we’ll be working on</a:t>
             </a:r>
           </a:p>
           <a:p>
@@ -9299,78 +9727,24 @@
           <a:p>
             <a:r>
               <a:rPr lang="en-US" sz="2400" dirty="0"/>
-              <a:t>A monte </a:t>
-            </a:r>
-            <a:r>
-              <a:rPr lang="en-US" sz="2400" dirty="0" err="1"/>
-              <a:t>carlo</a:t>
-            </a:r>
+              <a:t>But, if you continue with programming, it’ll be important to know the limitations of the random number generator and how it impacts your programs</a:t>
+            </a:r>
+          </a:p>
+          <a:p>
+            <a:endParaRPr lang="en-US" sz="2400" dirty="0"/>
+          </a:p>
+          <a:p>
             <a:r>
               <a:rPr lang="en-US" sz="2400" dirty="0"/>
-              <a:t> simulation can show this.  Let’s create a Python simulation that</a:t>
-            </a:r>
-          </a:p>
-          <a:p>
-            <a:pPr marL="571500" lvl="1" indent="-342900">
-              <a:buFont typeface="+mj-lt"/>
-              <a:buAutoNum type="arabicPeriod"/>
-            </a:pPr>
-            <a:r>
-              <a:rPr lang="en-US" sz="2400" dirty="0"/>
-              <a:t>Uses either </a:t>
-            </a:r>
-            <a:r>
-              <a:rPr lang="en-US" sz="2400" dirty="0" err="1"/>
-              <a:t>randrange</a:t>
-            </a:r>
-            <a:r>
-              <a:rPr lang="en-US" sz="2400" dirty="0"/>
-              <a:t>() or random() to simulate flipping a coin</a:t>
-            </a:r>
-          </a:p>
-          <a:p>
-            <a:pPr marL="571500" lvl="1" indent="-342900">
-              <a:buFont typeface="+mj-lt"/>
-              <a:buAutoNum type="arabicPeriod"/>
-            </a:pPr>
-            <a:r>
-              <a:rPr lang="en-US" sz="2400" dirty="0"/>
-              <a:t>Asks the user how many times she’d like to flip</a:t>
-            </a:r>
-          </a:p>
-          <a:p>
-            <a:pPr marL="571500" lvl="1" indent="-342900">
-              <a:buFont typeface="+mj-lt"/>
-              <a:buAutoNum type="arabicPeriod"/>
-            </a:pPr>
-            <a:r>
-              <a:rPr lang="en-US" sz="2400" dirty="0"/>
-              <a:t>Prints the current flip and keeps track of the number of heads and the number of tails</a:t>
-            </a:r>
-          </a:p>
-          <a:p>
-            <a:pPr marL="571500" lvl="1" indent="-342900">
-              <a:buFont typeface="+mj-lt"/>
-              <a:buAutoNum type="arabicPeriod"/>
-            </a:pPr>
-            <a:r>
-              <a:rPr lang="en-US" sz="2400" dirty="0"/>
-              <a:t>After all flips are completed, prints the percentage of heads and the percentage of tails</a:t>
-            </a:r>
-          </a:p>
-          <a:p>
-            <a:pPr lvl="1"/>
-            <a:endParaRPr lang="en-US" dirty="0"/>
-          </a:p>
-          <a:p>
-            <a:endParaRPr lang="en-US" dirty="0"/>
+              <a:t>For example, this technique should never be used for cryptography and secret codes – it’s too easy to break</a:t>
+            </a:r>
           </a:p>
         </p:txBody>
       </p:sp>
     </p:spTree>
     <p:extLst>
       <p:ext uri="{BB962C8B-B14F-4D97-AF65-F5344CB8AC3E}">
-        <p14:creationId xmlns:p14="http://schemas.microsoft.com/office/powerpoint/2010/main" val="3111889986"/>
+        <p14:creationId xmlns:p14="http://schemas.microsoft.com/office/powerpoint/2010/main" val="2344811979"/>
       </p:ext>
     </p:extLst>
   </p:cSld>
@@ -9402,7 +9776,7 @@
           <p:cNvPr id="2" name="Title 1">
             <a:extLst>
               <a:ext uri="{FF2B5EF4-FFF2-40B4-BE49-F238E27FC236}">
-                <a16:creationId xmlns:a16="http://schemas.microsoft.com/office/drawing/2014/main" id="{2D8E5C6F-850D-144B-8AF5-78B2DFE6D1EE}"/>
+                <a16:creationId xmlns:a16="http://schemas.microsoft.com/office/drawing/2014/main" id="{FF50A605-A74F-AC41-B90E-438C80629EF4}"/>
               </a:ext>
             </a:extLst>
           </p:cNvPr>
@@ -9413,15 +9787,19 @@
             <p:ph type="title"/>
           </p:nvPr>
         </p:nvSpPr>
-        <p:spPr/>
+        <p:spPr>
+          <a:xfrm>
+            <a:off x="2200612" y="419602"/>
+            <a:ext cx="7729728" cy="1188720"/>
+          </a:xfrm>
+        </p:spPr>
         <p:txBody>
           <a:bodyPr/>
           <a:lstStyle/>
           <a:p>
-            <a:pPr algn="ctr"/>
             <a:r>
               <a:rPr lang="en-US" dirty="0"/>
-              <a:t>The gambler’s fallacy</a:t>
+              <a:t>The gambler’s Fallacy</a:t>
             </a:r>
           </a:p>
         </p:txBody>
@@ -9431,7 +9809,7 @@
           <p:cNvPr id="3" name="Content Placeholder 2">
             <a:extLst>
               <a:ext uri="{FF2B5EF4-FFF2-40B4-BE49-F238E27FC236}">
-                <a16:creationId xmlns:a16="http://schemas.microsoft.com/office/drawing/2014/main" id="{5BBEDC47-2DA8-2E43-A660-47EFA109F4DD}"/>
+                <a16:creationId xmlns:a16="http://schemas.microsoft.com/office/drawing/2014/main" id="{35D11773-5A59-E546-8DD1-6BC2F8A813BB}"/>
               </a:ext>
             </a:extLst>
           </p:cNvPr>
@@ -9444,31 +9822,72 @@
         </p:nvSpPr>
         <p:spPr>
           <a:xfrm>
-            <a:off x="1066800" y="1551709"/>
-            <a:ext cx="10363200" cy="5153891"/>
+            <a:off x="1025236" y="1463040"/>
+            <a:ext cx="10626437" cy="5187141"/>
           </a:xfrm>
         </p:spPr>
         <p:txBody>
           <a:bodyPr>
-            <a:normAutofit fontScale="47500" lnSpcReduction="20000"/>
+            <a:normAutofit fontScale="85000" lnSpcReduction="20000"/>
           </a:bodyPr>
           <a:lstStyle/>
           <a:p>
-            <a:pPr marL="742950" lvl="1" indent="-514350">
-              <a:buFont typeface="+mj-lt"/>
-              <a:buAutoNum type="arabicPeriod"/>
-            </a:pPr>
-            <a:r>
-              <a:rPr lang="en-US" sz="3400" dirty="0"/>
-              <a:t>Uses either </a:t>
-            </a:r>
-            <a:r>
-              <a:rPr lang="en-US" sz="3400" dirty="0" err="1"/>
-              <a:t>randrange</a:t>
-            </a:r>
-            <a:r>
-              <a:rPr lang="en-US" sz="3400" dirty="0"/>
-              <a:t>() or random() to simulate flipping a coin</a:t>
+            <a:r>
+              <a:rPr lang="en-US" sz="2400">
+                <a:solidFill>
+                  <a:srgbClr val="FF0000"/>
+                </a:solidFill>
+              </a:rPr>
+              <a:t>04_</a:t>
+            </a:r>
+            <a:r>
+              <a:rPr lang="en-US" sz="2400" dirty="0">
+                <a:solidFill>
+                  <a:srgbClr val="FF0000"/>
+                </a:solidFill>
+              </a:rPr>
+              <a:t>Monte_Carlo.ipynb</a:t>
+            </a:r>
+          </a:p>
+          <a:p>
+            <a:r>
+              <a:rPr lang="en-US" sz="2400" dirty="0"/>
+              <a:t>Let’s look at an example to see how we can build probability into our simulations</a:t>
+            </a:r>
+          </a:p>
+          <a:p>
+            <a:endParaRPr lang="en-US" sz="2400" dirty="0"/>
+          </a:p>
+          <a:p>
+            <a:r>
+              <a:rPr lang="en-US" sz="2400" dirty="0"/>
+              <a:t>The Gambler’s Fallacy asserts that taking something with known 50/50 odds (like flipping a coin) you’re unlikely to get long sets of the same outcome. If you just flipped heads five times a row, somehow you're more likely to flip tails next.</a:t>
+            </a:r>
+          </a:p>
+          <a:p>
+            <a:endParaRPr lang="en-US" sz="2400" dirty="0"/>
+          </a:p>
+          <a:p>
+            <a:r>
+              <a:rPr lang="en-US" sz="2400" dirty="0"/>
+              <a:t>This is not true.  Over the long run you’ll get 50% heads and 50% tails, but each flip is 50/50 and independent of the previous flips</a:t>
+            </a:r>
+          </a:p>
+          <a:p>
+            <a:endParaRPr lang="en-US" sz="2400" dirty="0"/>
+          </a:p>
+          <a:p>
+            <a:r>
+              <a:rPr lang="en-US" sz="2400" dirty="0"/>
+              <a:t>A monte </a:t>
+            </a:r>
+            <a:r>
+              <a:rPr lang="en-US" sz="2400" dirty="0" err="1"/>
+              <a:t>carlo</a:t>
+            </a:r>
+            <a:r>
+              <a:rPr lang="en-US" sz="2400" dirty="0"/>
+              <a:t> simulation can show this.  Let’s create a Python simulation that</a:t>
             </a:r>
           </a:p>
           <a:p>
@@ -9476,150 +9895,54 @@
               <a:buFont typeface="+mj-lt"/>
               <a:buAutoNum type="arabicPeriod"/>
             </a:pPr>
-            <a:endParaRPr lang="en-US" sz="3400" dirty="0"/>
-          </a:p>
-          <a:p>
-            <a:pPr marL="228600" lvl="1" indent="0">
-              <a:buNone/>
+            <a:r>
+              <a:rPr lang="en-US" sz="2400" dirty="0"/>
+              <a:t>Uses </a:t>
+            </a:r>
+            <a:r>
+              <a:rPr lang="en-US" sz="2400" dirty="0" err="1"/>
+              <a:t>numpy</a:t>
+            </a:r>
+            <a:r>
+              <a:rPr lang="en-US" sz="2400" dirty="0"/>
+              <a:t> to simulate flipping a coin</a:t>
+            </a:r>
+          </a:p>
+          <a:p>
+            <a:pPr marL="571500" lvl="1" indent="-342900">
+              <a:buFont typeface="+mj-lt"/>
+              <a:buAutoNum type="arabicPeriod"/>
             </a:pPr>
             <a:r>
-              <a:rPr lang="en-US" sz="3400" dirty="0"/>
-              <a:t>The way to use random numbers to simulate probability is to pick ranges of numbers and assign each an outcome.</a:t>
-            </a:r>
-          </a:p>
-          <a:p>
-            <a:pPr marL="228600" lvl="1" indent="0">
-              <a:buNone/>
+              <a:rPr lang="en-US" sz="2400" dirty="0"/>
+              <a:t>Asks the user how many times she’d like to flip</a:t>
+            </a:r>
+          </a:p>
+          <a:p>
+            <a:pPr marL="571500" lvl="1" indent="-342900">
+              <a:buFont typeface="+mj-lt"/>
+              <a:buAutoNum type="arabicPeriod"/>
             </a:pPr>
-            <a:endParaRPr lang="en-US" sz="3400" dirty="0"/>
-          </a:p>
-          <a:p>
-            <a:pPr marL="228600" lvl="1" indent="0">
-              <a:buNone/>
+            <a:r>
+              <a:rPr lang="en-US" sz="2400" dirty="0"/>
+              <a:t>Prints the current flip and keeps track of the number of heads and the number of tails</a:t>
+            </a:r>
+          </a:p>
+          <a:p>
+            <a:pPr marL="571500" lvl="1" indent="-342900">
+              <a:buFont typeface="+mj-lt"/>
+              <a:buAutoNum type="arabicPeriod"/>
             </a:pPr>
             <a:r>
-              <a:rPr lang="en-US" sz="3400" dirty="0"/>
-              <a:t>For example, with a coin flip we have two equally likely outcomes (heads or tails). </a:t>
-            </a:r>
-          </a:p>
-          <a:p>
-            <a:pPr marL="228600" lvl="1" indent="0">
-              <a:buNone/>
-            </a:pPr>
-            <a:endParaRPr lang="en-US" sz="3400" dirty="0"/>
-          </a:p>
-          <a:p>
-            <a:pPr marL="228600" lvl="1" indent="0">
-              <a:buNone/>
-            </a:pPr>
-            <a:r>
-              <a:rPr lang="en-US" sz="3400" dirty="0"/>
-              <a:t>We’ll take the range 0 to 1 and and say if we randomly choose 0 then we flipped heads, if we randomly chose 1 then we flipped tails</a:t>
-            </a:r>
-          </a:p>
-          <a:p>
-            <a:pPr marL="228600" lvl="1" indent="0">
-              <a:buNone/>
-            </a:pPr>
-            <a:endParaRPr lang="en-US" sz="3400" dirty="0"/>
-          </a:p>
-          <a:p>
-            <a:pPr marL="228600" lvl="1" indent="0">
-              <a:buNone/>
-            </a:pPr>
-            <a:r>
-              <a:rPr lang="en-US" sz="3400" dirty="0"/>
-              <a:t>There’s a lot of different ways you can choose your ranges – we could do 0 to 1 with decimal values and 0 to 0.5 equals heads</a:t>
-            </a:r>
-          </a:p>
-          <a:p>
-            <a:pPr marL="228600" lvl="1" indent="0">
-              <a:buNone/>
-            </a:pPr>
-            <a:endParaRPr lang="en-US" sz="3400" dirty="0"/>
-          </a:p>
-          <a:p>
-            <a:pPr marL="228600" lvl="1" indent="0">
-              <a:buNone/>
-            </a:pPr>
-            <a:r>
-              <a:rPr lang="en-US" sz="3400" dirty="0">
-                <a:solidFill>
-                  <a:srgbClr val="FF0000"/>
-                </a:solidFill>
-              </a:rPr>
-              <a:t>The important thing is that the number of values in the ranges equals the probabilities your working with.</a:t>
-            </a:r>
-          </a:p>
-          <a:p>
-            <a:pPr marL="228600" lvl="1" indent="0">
-              <a:buNone/>
-            </a:pPr>
-            <a:r>
-              <a:rPr lang="en-US" sz="3400" dirty="0">
-                <a:solidFill>
-                  <a:srgbClr val="FF0000"/>
-                </a:solidFill>
-              </a:rPr>
-              <a:t>Here, we have 50/50 odds so we need two ranges both having the same number of values</a:t>
-            </a:r>
-          </a:p>
-          <a:p>
-            <a:pPr marL="228600" lvl="1" indent="0">
-              <a:buNone/>
-            </a:pPr>
-            <a:endParaRPr lang="en-US" sz="3400" dirty="0">
-              <a:solidFill>
-                <a:srgbClr val="FF0000"/>
-              </a:solidFill>
-            </a:endParaRPr>
-          </a:p>
-          <a:p>
-            <a:pPr marL="228600" lvl="1" indent="0">
-              <a:buNone/>
-            </a:pPr>
-            <a:r>
-              <a:rPr lang="en-US" sz="3600" dirty="0"/>
-              <a:t>import random # don’t forget to import the needed function</a:t>
-            </a:r>
-          </a:p>
-          <a:p>
-            <a:pPr marL="228600" lvl="1" indent="0">
-              <a:buNone/>
-            </a:pPr>
-            <a:r>
-              <a:rPr lang="en-US" sz="3600" dirty="0" err="1"/>
-              <a:t>random.randrange</a:t>
-            </a:r>
-            <a:r>
-              <a:rPr lang="en-US" sz="3600" dirty="0"/>
-              <a:t>(0,2) # will generate a random integer in the range [0,1]</a:t>
-            </a:r>
-          </a:p>
-          <a:p>
-            <a:pPr marL="228600" lvl="1" indent="0">
-              <a:buNone/>
-            </a:pPr>
-            <a:endParaRPr lang="en-US" sz="3400" dirty="0">
-              <a:solidFill>
-                <a:srgbClr val="FF0000"/>
-              </a:solidFill>
-            </a:endParaRPr>
-          </a:p>
-          <a:p>
-            <a:pPr marL="0" indent="0">
-              <a:buNone/>
-            </a:pPr>
-            <a:endParaRPr lang="en-US" dirty="0">
-              <a:solidFill>
-                <a:srgbClr val="FF0000"/>
-              </a:solidFill>
-            </a:endParaRPr>
-          </a:p>
-          <a:p>
-            <a:pPr marL="0" indent="0">
-              <a:buNone/>
-            </a:pPr>
+              <a:rPr lang="en-US" sz="2400" dirty="0"/>
+              <a:t>After all flips are completed, prints the percentage of heads and the percentage of tails</a:t>
+            </a:r>
+          </a:p>
+          <a:p>
+            <a:pPr lvl="1"/>
+            <a:endParaRPr lang="en-US" dirty="0"/>
+          </a:p>
+          <a:p>
             <a:endParaRPr lang="en-US" dirty="0"/>
           </a:p>
         </p:txBody>
@@ -9627,7 +9950,7 @@
     </p:spTree>
     <p:extLst>
       <p:ext uri="{BB962C8B-B14F-4D97-AF65-F5344CB8AC3E}">
-        <p14:creationId xmlns:p14="http://schemas.microsoft.com/office/powerpoint/2010/main" val="2598026229"/>
+        <p14:creationId xmlns:p14="http://schemas.microsoft.com/office/powerpoint/2010/main" val="3111889986"/>
       </p:ext>
     </p:extLst>
   </p:cSld>
@@ -9701,24 +10024,164 @@
         </p:nvSpPr>
         <p:spPr>
           <a:xfrm>
-            <a:off x="1242592" y="1524001"/>
-            <a:ext cx="10178322" cy="4987636"/>
+            <a:off x="928467" y="1364567"/>
+            <a:ext cx="10733649" cy="5341034"/>
           </a:xfrm>
         </p:spPr>
         <p:txBody>
           <a:bodyPr>
-            <a:normAutofit fontScale="70000" lnSpcReduction="20000"/>
+            <a:normAutofit fontScale="55000" lnSpcReduction="20000"/>
           </a:bodyPr>
           <a:lstStyle/>
           <a:p>
-            <a:pPr lvl="1" indent="-457200">
+            <a:pPr marL="228600" lvl="1" indent="0">
+              <a:buNone/>
+            </a:pPr>
+            <a:r>
+              <a:rPr lang="en-US" sz="3400" dirty="0"/>
+              <a:t>We used </a:t>
+            </a:r>
+            <a:r>
+              <a:rPr lang="en-US" sz="3400" dirty="0" err="1">
+                <a:latin typeface="Courier New" panose="02070309020205020404" pitchFamily="49" charset="0"/>
+                <a:cs typeface="Courier New" panose="02070309020205020404" pitchFamily="49" charset="0"/>
+              </a:rPr>
+              <a:t>numpy.random.randint</a:t>
+            </a:r>
+            <a:r>
+              <a:rPr lang="en-US" sz="3400" dirty="0">
+                <a:latin typeface="Courier New" panose="02070309020205020404" pitchFamily="49" charset="0"/>
+                <a:cs typeface="Courier New" panose="02070309020205020404" pitchFamily="49" charset="0"/>
+              </a:rPr>
+              <a:t>() </a:t>
+            </a:r>
+            <a:r>
+              <a:rPr lang="en-US" sz="3400" dirty="0"/>
+              <a:t>to simulate flipping a coin</a:t>
+            </a:r>
+          </a:p>
+          <a:p>
+            <a:pPr marL="571500" lvl="1" indent="-342900">
               <a:buFont typeface="+mj-lt"/>
-              <a:buAutoNum type="arabicPeriod" startAt="2"/>
+              <a:buAutoNum type="arabicPeriod"/>
             </a:pPr>
-            <a:r>
-              <a:rPr lang="en-US" sz="2400" dirty="0"/>
-              <a:t>Asks the user how many times she’d like to flip</a:t>
-            </a:r>
+            <a:endParaRPr lang="en-US" sz="3400" dirty="0"/>
+          </a:p>
+          <a:p>
+            <a:pPr marL="228600" lvl="1" indent="0">
+              <a:buNone/>
+            </a:pPr>
+            <a:r>
+              <a:rPr lang="en-US" sz="3400" dirty="0"/>
+              <a:t>The way to use random numbers to simulate probability is to pick ranges of numbers and assign each an outcome.</a:t>
+            </a:r>
+          </a:p>
+          <a:p>
+            <a:pPr marL="228600" lvl="1" indent="0">
+              <a:buNone/>
+            </a:pPr>
+            <a:endParaRPr lang="en-US" sz="3400" dirty="0"/>
+          </a:p>
+          <a:p>
+            <a:pPr marL="228600" lvl="1" indent="0">
+              <a:buNone/>
+            </a:pPr>
+            <a:r>
+              <a:rPr lang="en-US" sz="3400" dirty="0"/>
+              <a:t>For example, with a coin flip we have two equally likely outcomes (heads or tails). </a:t>
+            </a:r>
+          </a:p>
+          <a:p>
+            <a:pPr marL="228600" lvl="1" indent="0">
+              <a:buNone/>
+            </a:pPr>
+            <a:endParaRPr lang="en-US" sz="3400" dirty="0"/>
+          </a:p>
+          <a:p>
+            <a:pPr marL="228600" lvl="1" indent="0">
+              <a:buNone/>
+            </a:pPr>
+            <a:r>
+              <a:rPr lang="en-US" sz="3400" dirty="0"/>
+              <a:t>We’ll take the range 0 to 1 and and say if we randomly choose 0 then we flipped heads, if we randomly chose 1 then we flipped tails</a:t>
+            </a:r>
+          </a:p>
+          <a:p>
+            <a:pPr marL="228600" lvl="1" indent="0">
+              <a:buNone/>
+            </a:pPr>
+            <a:endParaRPr lang="en-US" sz="3400" dirty="0"/>
+          </a:p>
+          <a:p>
+            <a:pPr marL="228600" lvl="1" indent="0">
+              <a:buNone/>
+            </a:pPr>
+            <a:r>
+              <a:rPr lang="en-US" sz="3400" dirty="0"/>
+              <a:t>There’s a lot of different ways you can choose your ranges – we could do 0 to 1 with decimal values and 0 to 0.49 equals heads and 0.5 to 1 is tails</a:t>
+            </a:r>
+          </a:p>
+          <a:p>
+            <a:pPr marL="228600" lvl="1" indent="0">
+              <a:buNone/>
+            </a:pPr>
+            <a:endParaRPr lang="en-US" sz="3400" dirty="0"/>
+          </a:p>
+          <a:p>
+            <a:pPr marL="228600" lvl="1" indent="0">
+              <a:buNone/>
+            </a:pPr>
+            <a:r>
+              <a:rPr lang="en-US" sz="3400" dirty="0">
+                <a:solidFill>
+                  <a:srgbClr val="FF0000"/>
+                </a:solidFill>
+              </a:rPr>
+              <a:t>The important thing is that the number of values in the ranges equals the probabilities your working with.</a:t>
+            </a:r>
+          </a:p>
+          <a:p>
+            <a:pPr marL="228600" lvl="1" indent="0">
+              <a:buNone/>
+            </a:pPr>
+            <a:r>
+              <a:rPr lang="en-US" sz="3400" dirty="0">
+                <a:solidFill>
+                  <a:srgbClr val="FF0000"/>
+                </a:solidFill>
+              </a:rPr>
+              <a:t>Here, we have 50/50 odds so we need two ranges both having the same number of values</a:t>
+            </a:r>
+          </a:p>
+          <a:p>
+            <a:pPr marL="228600" lvl="1" indent="0">
+              <a:buNone/>
+            </a:pPr>
+            <a:endParaRPr lang="en-US" sz="3400" dirty="0">
+              <a:solidFill>
+                <a:srgbClr val="FF0000"/>
+              </a:solidFill>
+            </a:endParaRPr>
+          </a:p>
+          <a:p>
+            <a:pPr marL="228600" lvl="1" indent="0">
+              <a:buNone/>
+            </a:pPr>
+            <a:endParaRPr lang="en-US" sz="3400" dirty="0">
+              <a:solidFill>
+                <a:srgbClr val="FF0000"/>
+              </a:solidFill>
+            </a:endParaRPr>
+          </a:p>
+          <a:p>
+            <a:pPr marL="0" indent="0">
+              <a:buNone/>
+            </a:pPr>
+            <a:endParaRPr lang="en-US" dirty="0">
+              <a:solidFill>
+                <a:srgbClr val="FF0000"/>
+              </a:solidFill>
+            </a:endParaRPr>
           </a:p>
           <a:p>
             <a:pPr marL="0" indent="0">
@@ -9726,190 +10189,12 @@
             </a:pPr>
             <a:endParaRPr lang="en-US" dirty="0"/>
           </a:p>
-          <a:p>
-            <a:pPr marL="0" indent="0">
-              <a:buNone/>
-            </a:pPr>
-            <a:r>
-              <a:rPr lang="en-US" dirty="0">
-                <a:latin typeface="Courier New" panose="02070309020205020404" pitchFamily="49" charset="0"/>
-                <a:cs typeface="Courier New" panose="02070309020205020404" pitchFamily="49" charset="0"/>
-              </a:rPr>
-              <a:t>flips = </a:t>
-            </a:r>
-            <a:r>
-              <a:rPr lang="en-US" dirty="0" err="1">
-                <a:latin typeface="Courier New" panose="02070309020205020404" pitchFamily="49" charset="0"/>
-                <a:cs typeface="Courier New" panose="02070309020205020404" pitchFamily="49" charset="0"/>
-              </a:rPr>
-              <a:t>int</a:t>
-            </a:r>
-            <a:r>
-              <a:rPr lang="en-US" dirty="0">
-                <a:latin typeface="Courier New" panose="02070309020205020404" pitchFamily="49" charset="0"/>
-                <a:cs typeface="Courier New" panose="02070309020205020404" pitchFamily="49" charset="0"/>
-              </a:rPr>
-              <a:t>(input(“How many flips would you like?”))</a:t>
-            </a:r>
-          </a:p>
-          <a:p>
-            <a:pPr marL="0" indent="0">
-              <a:buNone/>
-            </a:pPr>
-            <a:endParaRPr lang="en-US" dirty="0"/>
-          </a:p>
-          <a:p>
-            <a:pPr marL="914400" lvl="1" indent="-457200">
-              <a:buFont typeface="+mj-lt"/>
-              <a:buAutoNum type="arabicPeriod" startAt="3"/>
-            </a:pPr>
-            <a:r>
-              <a:rPr lang="en-US" sz="2400" dirty="0"/>
-              <a:t>Prints the current flip and keeps track of the number of heads and the number of tails</a:t>
-            </a:r>
-          </a:p>
-          <a:p>
-            <a:pPr marL="914400" lvl="1" indent="-457200">
-              <a:buFont typeface="+mj-lt"/>
-              <a:buAutoNum type="arabicPeriod" startAt="3"/>
-            </a:pPr>
-            <a:endParaRPr lang="en-US" sz="2400" dirty="0"/>
-          </a:p>
-          <a:p>
-            <a:pPr marL="0" indent="0">
-              <a:buNone/>
-            </a:pPr>
-            <a:r>
-              <a:rPr lang="en-US" sz="2600" dirty="0">
-                <a:latin typeface="Courier New" panose="02070309020205020404" pitchFamily="49" charset="0"/>
-                <a:cs typeface="Courier New" panose="02070309020205020404" pitchFamily="49" charset="0"/>
-              </a:rPr>
-              <a:t>heads = 0</a:t>
-            </a:r>
-          </a:p>
-          <a:p>
-            <a:pPr marL="0" indent="0">
-              <a:buNone/>
-            </a:pPr>
-            <a:r>
-              <a:rPr lang="en-US" sz="2600" dirty="0">
-                <a:latin typeface="Courier New" panose="02070309020205020404" pitchFamily="49" charset="0"/>
-                <a:cs typeface="Courier New" panose="02070309020205020404" pitchFamily="49" charset="0"/>
-              </a:rPr>
-              <a:t>tails = 0</a:t>
-            </a:r>
-          </a:p>
-          <a:p>
-            <a:pPr marL="0" indent="0">
-              <a:buNone/>
-            </a:pPr>
-            <a:r>
-              <a:rPr lang="en-US" sz="2600" dirty="0">
-                <a:latin typeface="Courier New" panose="02070309020205020404" pitchFamily="49" charset="0"/>
-                <a:cs typeface="Courier New" panose="02070309020205020404" pitchFamily="49" charset="0"/>
-              </a:rPr>
-              <a:t>flip = </a:t>
-            </a:r>
-            <a:r>
-              <a:rPr lang="en-US" sz="2600" dirty="0" err="1">
-                <a:latin typeface="Courier New" panose="02070309020205020404" pitchFamily="49" charset="0"/>
-                <a:cs typeface="Courier New" panose="02070309020205020404" pitchFamily="49" charset="0"/>
-              </a:rPr>
-              <a:t>random.randrange</a:t>
-            </a:r>
-            <a:r>
-              <a:rPr lang="en-US" sz="2600" dirty="0">
-                <a:latin typeface="Courier New" panose="02070309020205020404" pitchFamily="49" charset="0"/>
-                <a:cs typeface="Courier New" panose="02070309020205020404" pitchFamily="49" charset="0"/>
-              </a:rPr>
-              <a:t>(0,2)</a:t>
-            </a:r>
-          </a:p>
-          <a:p>
-            <a:pPr marL="0" indent="0">
-              <a:buNone/>
-            </a:pPr>
-            <a:r>
-              <a:rPr lang="en-US" sz="2600" dirty="0">
-                <a:latin typeface="Courier New" panose="02070309020205020404" pitchFamily="49" charset="0"/>
-                <a:cs typeface="Courier New" panose="02070309020205020404" pitchFamily="49" charset="0"/>
-              </a:rPr>
-              <a:t>if (flip==1):</a:t>
-            </a:r>
-          </a:p>
-          <a:p>
-            <a:pPr marL="0" indent="0">
-              <a:buNone/>
-            </a:pPr>
-            <a:r>
-              <a:rPr lang="en-US" sz="2600" dirty="0">
-                <a:latin typeface="Courier New" panose="02070309020205020404" pitchFamily="49" charset="0"/>
-                <a:cs typeface="Courier New" panose="02070309020205020404" pitchFamily="49" charset="0"/>
-              </a:rPr>
-              <a:t>   heads = heads + 1 # a short-hand notation for this is heads += 1</a:t>
-            </a:r>
-          </a:p>
-          <a:p>
-            <a:pPr marL="0" indent="0">
-              <a:buNone/>
-            </a:pPr>
-            <a:r>
-              <a:rPr lang="en-US" sz="2600" dirty="0">
-                <a:latin typeface="Courier New" panose="02070309020205020404" pitchFamily="49" charset="0"/>
-                <a:cs typeface="Courier New" panose="02070309020205020404" pitchFamily="49" charset="0"/>
-              </a:rPr>
-              <a:t>   print("Heads")</a:t>
-            </a:r>
-          </a:p>
-          <a:p>
-            <a:pPr marL="0" indent="0">
-              <a:buNone/>
-            </a:pPr>
-            <a:r>
-              <a:rPr lang="en-US" sz="2600" dirty="0">
-                <a:latin typeface="Courier New" panose="02070309020205020404" pitchFamily="49" charset="0"/>
-                <a:cs typeface="Courier New" panose="02070309020205020404" pitchFamily="49" charset="0"/>
-              </a:rPr>
-              <a:t>else:</a:t>
-            </a:r>
-          </a:p>
-          <a:p>
-            <a:pPr marL="0" indent="0">
-              <a:buNone/>
-            </a:pPr>
-            <a:r>
-              <a:rPr lang="en-US" sz="2600" dirty="0">
-                <a:latin typeface="Courier New" panose="02070309020205020404" pitchFamily="49" charset="0"/>
-                <a:cs typeface="Courier New" panose="02070309020205020404" pitchFamily="49" charset="0"/>
-              </a:rPr>
-              <a:t>   tails = tails + 1</a:t>
-            </a:r>
-          </a:p>
-          <a:p>
-            <a:pPr marL="0" indent="0">
-              <a:buNone/>
-            </a:pPr>
-            <a:r>
-              <a:rPr lang="en-US" sz="2600" dirty="0">
-                <a:latin typeface="Courier New" panose="02070309020205020404" pitchFamily="49" charset="0"/>
-                <a:cs typeface="Courier New" panose="02070309020205020404" pitchFamily="49" charset="0"/>
-              </a:rPr>
-              <a:t>   print("Tails")</a:t>
-            </a:r>
-          </a:p>
-          <a:p>
-            <a:pPr marL="914400" lvl="1" indent="-457200">
-              <a:buFont typeface="+mj-lt"/>
-              <a:buAutoNum type="arabicPeriod" startAt="3"/>
-            </a:pPr>
-            <a:endParaRPr lang="en-US" dirty="0"/>
-          </a:p>
         </p:txBody>
       </p:sp>
     </p:spTree>
     <p:extLst>
       <p:ext uri="{BB962C8B-B14F-4D97-AF65-F5344CB8AC3E}">
-        <p14:creationId xmlns:p14="http://schemas.microsoft.com/office/powerpoint/2010/main" val="3550928993"/>
+        <p14:creationId xmlns:p14="http://schemas.microsoft.com/office/powerpoint/2010/main" val="2598026229"/>
       </p:ext>
     </p:extLst>
   </p:cSld>
